--- a/07_03FunctionParametersCS152.pptx
+++ b/07_03FunctionParametersCS152.pptx
@@ -268,339 +268,37 @@
 </p:presentation>
 </file>
 
-<file path=ppt/revisionInfo.xml><?xml version="1.0" encoding="utf-8"?>
-<p1510:revInfo xmlns:a="http://schemas.openxmlformats.org/drawingml/2006/main" xmlns:r="http://schemas.openxmlformats.org/officeDocument/2006/relationships" xmlns:p1510="http://schemas.microsoft.com/office/powerpoint/2015/10/main">
-  <p1510:revLst>
-    <p1510:client id="{A1867B66-7268-4FC1-A44A-9A4A7F403E56}" v="8" dt="2022-10-02T23:01:15.324"/>
-  </p1510:revLst>
-</p1510:revInfo>
-</file>
-
 <file path=ppt/changesInfos/changesInfo1.xml><?xml version="1.0" encoding="utf-8"?>
 <pc:chgInfo xmlns:a="http://schemas.openxmlformats.org/drawingml/2006/main" xmlns:r="http://schemas.openxmlformats.org/officeDocument/2006/relationships" xmlns:ac="http://schemas.microsoft.com/office/drawing/2013/main/command" xmlns:pc="http://schemas.microsoft.com/office/powerpoint/2013/main/command">
   <pc:docChgLst>
-    <pc:chgData name="Moraes,Marcia" userId="c9c67e8a-58e2-4733-9a1c-5d44fec4775b" providerId="ADAL" clId="{A1867B66-7268-4FC1-A44A-9A4A7F403E56}"/>
-    <pc:docChg chg="undo custSel addSld delSld modSld">
-      <pc:chgData name="Moraes,Marcia" userId="c9c67e8a-58e2-4733-9a1c-5d44fec4775b" providerId="ADAL" clId="{A1867B66-7268-4FC1-A44A-9A4A7F403E56}" dt="2022-10-03T00:00:53.325" v="642" actId="20577"/>
+    <pc:chgData name="Marcia Moraes" userId="c9c67e8a-58e2-4733-9a1c-5d44fec4775b" providerId="ADAL" clId="{C9F117D0-7483-4E4A-9914-4C1F3362BEA5}"/>
+    <pc:docChg chg="modSld">
+      <pc:chgData name="Marcia Moraes" userId="c9c67e8a-58e2-4733-9a1c-5d44fec4775b" providerId="ADAL" clId="{C9F117D0-7483-4E4A-9914-4C1F3362BEA5}" dt="2024-09-05T21:48:36.944" v="5" actId="6549"/>
       <pc:docMkLst>
         <pc:docMk/>
       </pc:docMkLst>
-      <pc:sldChg chg="modSp mod">
-        <pc:chgData name="Moraes,Marcia" userId="c9c67e8a-58e2-4733-9a1c-5d44fec4775b" providerId="ADAL" clId="{A1867B66-7268-4FC1-A44A-9A4A7F403E56}" dt="2022-10-02T22:45:36.044" v="18" actId="20577"/>
-        <pc:sldMkLst>
-          <pc:docMk/>
-          <pc:sldMk cId="0" sldId="256"/>
-        </pc:sldMkLst>
-        <pc:spChg chg="mod">
-          <ac:chgData name="Moraes,Marcia" userId="c9c67e8a-58e2-4733-9a1c-5d44fec4775b" providerId="ADAL" clId="{A1867B66-7268-4FC1-A44A-9A4A7F403E56}" dt="2022-10-02T22:45:36.044" v="18" actId="20577"/>
-          <ac:spMkLst>
-            <pc:docMk/>
-            <pc:sldMk cId="0" sldId="256"/>
-            <ac:spMk id="185" creationId="{00000000-0000-0000-0000-000000000000}"/>
-          </ac:spMkLst>
-        </pc:spChg>
-      </pc:sldChg>
-      <pc:sldChg chg="addSp delSp modSp mod">
-        <pc:chgData name="Moraes,Marcia" userId="c9c67e8a-58e2-4733-9a1c-5d44fec4775b" providerId="ADAL" clId="{A1867B66-7268-4FC1-A44A-9A4A7F403E56}" dt="2022-10-02T22:46:39.506" v="26" actId="14100"/>
-        <pc:sldMkLst>
-          <pc:docMk/>
-          <pc:sldMk cId="2954226462" sldId="268"/>
-        </pc:sldMkLst>
-        <pc:spChg chg="mod">
-          <ac:chgData name="Moraes,Marcia" userId="c9c67e8a-58e2-4733-9a1c-5d44fec4775b" providerId="ADAL" clId="{A1867B66-7268-4FC1-A44A-9A4A7F403E56}" dt="2022-10-02T22:45:44.813" v="21" actId="5793"/>
-          <ac:spMkLst>
-            <pc:docMk/>
-            <pc:sldMk cId="2954226462" sldId="268"/>
-            <ac:spMk id="7" creationId="{F1F79DD2-1F3F-234C-A44A-3A87D436D29A}"/>
-          </ac:spMkLst>
-        </pc:spChg>
-        <pc:picChg chg="add mod">
-          <ac:chgData name="Moraes,Marcia" userId="c9c67e8a-58e2-4733-9a1c-5d44fec4775b" providerId="ADAL" clId="{A1867B66-7268-4FC1-A44A-9A4A7F403E56}" dt="2022-10-02T22:46:39.506" v="26" actId="14100"/>
-          <ac:picMkLst>
-            <pc:docMk/>
-            <pc:sldMk cId="2954226462" sldId="268"/>
-            <ac:picMk id="2" creationId="{2CEE6DA9-4D5F-EB70-7A56-354A64A2D7F5}"/>
-          </ac:picMkLst>
-        </pc:picChg>
-        <pc:picChg chg="del">
-          <ac:chgData name="Moraes,Marcia" userId="c9c67e8a-58e2-4733-9a1c-5d44fec4775b" providerId="ADAL" clId="{A1867B66-7268-4FC1-A44A-9A4A7F403E56}" dt="2022-10-02T22:45:46.871" v="22" actId="478"/>
-          <ac:picMkLst>
-            <pc:docMk/>
-            <pc:sldMk cId="2954226462" sldId="268"/>
-            <ac:picMk id="1026" creationId="{763B7C13-20F5-5B71-2744-82A0D4BD3E51}"/>
-          </ac:picMkLst>
-        </pc:picChg>
-      </pc:sldChg>
-      <pc:sldChg chg="addSp modSp mod">
-        <pc:chgData name="Moraes,Marcia" userId="c9c67e8a-58e2-4733-9a1c-5d44fec4775b" providerId="ADAL" clId="{A1867B66-7268-4FC1-A44A-9A4A7F403E56}" dt="2022-10-02T22:50:08.447" v="231" actId="207"/>
+      <pc:sldChg chg="modSp">
+        <pc:chgData name="Marcia Moraes" userId="c9c67e8a-58e2-4733-9a1c-5d44fec4775b" providerId="ADAL" clId="{C9F117D0-7483-4E4A-9914-4C1F3362BEA5}" dt="2024-09-05T21:48:36.944" v="5" actId="6549"/>
         <pc:sldMkLst>
           <pc:docMk/>
           <pc:sldMk cId="1172125351" sldId="288"/>
         </pc:sldMkLst>
-        <pc:spChg chg="add mod">
-          <ac:chgData name="Moraes,Marcia" userId="c9c67e8a-58e2-4733-9a1c-5d44fec4775b" providerId="ADAL" clId="{A1867B66-7268-4FC1-A44A-9A4A7F403E56}" dt="2022-10-02T22:50:08.447" v="231" actId="207"/>
+        <pc:spChg chg="mod">
+          <ac:chgData name="Marcia Moraes" userId="c9c67e8a-58e2-4733-9a1c-5d44fec4775b" providerId="ADAL" clId="{C9F117D0-7483-4E4A-9914-4C1F3362BEA5}" dt="2024-09-05T21:48:36.944" v="5" actId="6549"/>
           <ac:spMkLst>
             <pc:docMk/>
             <pc:sldMk cId="1172125351" sldId="288"/>
             <ac:spMk id="3" creationId="{5EF6AA31-31AE-2CED-3E35-5E18E247B06B}"/>
           </ac:spMkLst>
         </pc:spChg>
-        <pc:spChg chg="mod">
-          <ac:chgData name="Moraes,Marcia" userId="c9c67e8a-58e2-4733-9a1c-5d44fec4775b" providerId="ADAL" clId="{A1867B66-7268-4FC1-A44A-9A4A7F403E56}" dt="2022-10-02T22:49:02.007" v="139" actId="313"/>
-          <ac:spMkLst>
-            <pc:docMk/>
-            <pc:sldMk cId="1172125351" sldId="288"/>
-            <ac:spMk id="4" creationId="{EDD76D24-F9A2-8B05-DE9C-DFBF0C702332}"/>
-          </ac:spMkLst>
-        </pc:spChg>
-      </pc:sldChg>
-      <pc:sldChg chg="del">
-        <pc:chgData name="Moraes,Marcia" userId="c9c67e8a-58e2-4733-9a1c-5d44fec4775b" providerId="ADAL" clId="{A1867B66-7268-4FC1-A44A-9A4A7F403E56}" dt="2022-10-02T22:55:41.341" v="354" actId="47"/>
-        <pc:sldMkLst>
-          <pc:docMk/>
-          <pc:sldMk cId="2447864037" sldId="289"/>
-        </pc:sldMkLst>
-      </pc:sldChg>
-      <pc:sldChg chg="addSp delSp modSp mod delAnim">
-        <pc:chgData name="Moraes,Marcia" userId="c9c67e8a-58e2-4733-9a1c-5d44fec4775b" providerId="ADAL" clId="{A1867B66-7268-4FC1-A44A-9A4A7F403E56}" dt="2022-10-02T22:55:30.310" v="352" actId="1076"/>
-        <pc:sldMkLst>
-          <pc:docMk/>
-          <pc:sldMk cId="2583827647" sldId="291"/>
-        </pc:sldMkLst>
-        <pc:spChg chg="mod">
-          <ac:chgData name="Moraes,Marcia" userId="c9c67e8a-58e2-4733-9a1c-5d44fec4775b" providerId="ADAL" clId="{A1867B66-7268-4FC1-A44A-9A4A7F403E56}" dt="2022-10-02T22:51:50.960" v="248" actId="20577"/>
-          <ac:spMkLst>
-            <pc:docMk/>
-            <pc:sldMk cId="2583827647" sldId="291"/>
-            <ac:spMk id="2" creationId="{6302E6FC-80C8-2F4C-A9F0-9B205434775A}"/>
-          </ac:spMkLst>
-        </pc:spChg>
-        <pc:spChg chg="add mod">
-          <ac:chgData name="Moraes,Marcia" userId="c9c67e8a-58e2-4733-9a1c-5d44fec4775b" providerId="ADAL" clId="{A1867B66-7268-4FC1-A44A-9A4A7F403E56}" dt="2022-10-02T22:55:25.584" v="351" actId="1076"/>
-          <ac:spMkLst>
-            <pc:docMk/>
-            <pc:sldMk cId="2583827647" sldId="291"/>
-            <ac:spMk id="3" creationId="{1776BEE4-A494-F14A-319A-4421C2CE3DE8}"/>
-          </ac:spMkLst>
-        </pc:spChg>
-        <pc:spChg chg="del">
-          <ac:chgData name="Moraes,Marcia" userId="c9c67e8a-58e2-4733-9a1c-5d44fec4775b" providerId="ADAL" clId="{A1867B66-7268-4FC1-A44A-9A4A7F403E56}" dt="2022-10-02T22:51:56.384" v="252" actId="478"/>
-          <ac:spMkLst>
-            <pc:docMk/>
-            <pc:sldMk cId="2583827647" sldId="291"/>
-            <ac:spMk id="4" creationId="{437AE17C-A5E4-3900-059D-6DE48F255D96}"/>
-          </ac:spMkLst>
-        </pc:spChg>
-        <pc:spChg chg="del">
-          <ac:chgData name="Moraes,Marcia" userId="c9c67e8a-58e2-4733-9a1c-5d44fec4775b" providerId="ADAL" clId="{A1867B66-7268-4FC1-A44A-9A4A7F403E56}" dt="2022-10-02T22:51:54.266" v="250" actId="478"/>
-          <ac:spMkLst>
-            <pc:docMk/>
-            <pc:sldMk cId="2583827647" sldId="291"/>
-            <ac:spMk id="5" creationId="{93884385-C891-0661-1C14-49EC366F60CD}"/>
-          </ac:spMkLst>
-        </pc:spChg>
-        <pc:spChg chg="del">
-          <ac:chgData name="Moraes,Marcia" userId="c9c67e8a-58e2-4733-9a1c-5d44fec4775b" providerId="ADAL" clId="{A1867B66-7268-4FC1-A44A-9A4A7F403E56}" dt="2022-10-02T22:51:52.905" v="249" actId="478"/>
-          <ac:spMkLst>
-            <pc:docMk/>
-            <pc:sldMk cId="2583827647" sldId="291"/>
-            <ac:spMk id="6" creationId="{13D8D005-9C41-9685-0BED-39028AD67D6C}"/>
-          </ac:spMkLst>
-        </pc:spChg>
-        <pc:spChg chg="del">
-          <ac:chgData name="Moraes,Marcia" userId="c9c67e8a-58e2-4733-9a1c-5d44fec4775b" providerId="ADAL" clId="{A1867B66-7268-4FC1-A44A-9A4A7F403E56}" dt="2022-10-02T22:51:55.322" v="251" actId="478"/>
-          <ac:spMkLst>
-            <pc:docMk/>
-            <pc:sldMk cId="2583827647" sldId="291"/>
-            <ac:spMk id="7" creationId="{AEBE8FC6-2037-E554-2BA0-F1479DC74F13}"/>
-          </ac:spMkLst>
-        </pc:spChg>
-        <pc:picChg chg="add mod">
-          <ac:chgData name="Moraes,Marcia" userId="c9c67e8a-58e2-4733-9a1c-5d44fec4775b" providerId="ADAL" clId="{A1867B66-7268-4FC1-A44A-9A4A7F403E56}" dt="2022-10-02T22:55:30.310" v="352" actId="1076"/>
-          <ac:picMkLst>
-            <pc:docMk/>
-            <pc:sldMk cId="2583827647" sldId="291"/>
-            <ac:picMk id="9" creationId="{2669D212-2924-0976-669D-7718ECB17F0A}"/>
-          </ac:picMkLst>
-        </pc:picChg>
-      </pc:sldChg>
-      <pc:sldChg chg="addSp delSp modSp add mod">
-        <pc:chgData name="Moraes,Marcia" userId="c9c67e8a-58e2-4733-9a1c-5d44fec4775b" providerId="ADAL" clId="{A1867B66-7268-4FC1-A44A-9A4A7F403E56}" dt="2022-10-02T22:59:27.250" v="408" actId="1076"/>
-        <pc:sldMkLst>
-          <pc:docMk/>
-          <pc:sldMk cId="2808197295" sldId="292"/>
-        </pc:sldMkLst>
-        <pc:spChg chg="mod">
-          <ac:chgData name="Moraes,Marcia" userId="c9c67e8a-58e2-4733-9a1c-5d44fec4775b" providerId="ADAL" clId="{A1867B66-7268-4FC1-A44A-9A4A7F403E56}" dt="2022-10-02T22:58:03.161" v="390" actId="20577"/>
-          <ac:spMkLst>
-            <pc:docMk/>
-            <pc:sldMk cId="2808197295" sldId="292"/>
-            <ac:spMk id="2" creationId="{6302E6FC-80C8-2F4C-A9F0-9B205434775A}"/>
-          </ac:spMkLst>
-        </pc:spChg>
-        <pc:spChg chg="mod">
-          <ac:chgData name="Moraes,Marcia" userId="c9c67e8a-58e2-4733-9a1c-5d44fec4775b" providerId="ADAL" clId="{A1867B66-7268-4FC1-A44A-9A4A7F403E56}" dt="2022-10-02T22:59:21.560" v="405" actId="14100"/>
-          <ac:spMkLst>
-            <pc:docMk/>
-            <pc:sldMk cId="2808197295" sldId="292"/>
-            <ac:spMk id="3" creationId="{1776BEE4-A494-F14A-319A-4421C2CE3DE8}"/>
-          </ac:spMkLst>
-        </pc:spChg>
-        <pc:picChg chg="add mod">
-          <ac:chgData name="Moraes,Marcia" userId="c9c67e8a-58e2-4733-9a1c-5d44fec4775b" providerId="ADAL" clId="{A1867B66-7268-4FC1-A44A-9A4A7F403E56}" dt="2022-10-02T22:59:27.250" v="408" actId="1076"/>
-          <ac:picMkLst>
-            <pc:docMk/>
-            <pc:sldMk cId="2808197295" sldId="292"/>
-            <ac:picMk id="5" creationId="{432E6EAB-DD1F-4513-124D-D73C6425EE85}"/>
-          </ac:picMkLst>
-        </pc:picChg>
-        <pc:picChg chg="del">
-          <ac:chgData name="Moraes,Marcia" userId="c9c67e8a-58e2-4733-9a1c-5d44fec4775b" providerId="ADAL" clId="{A1867B66-7268-4FC1-A44A-9A4A7F403E56}" dt="2022-10-02T22:58:53.323" v="401" actId="478"/>
-          <ac:picMkLst>
-            <pc:docMk/>
-            <pc:sldMk cId="2808197295" sldId="292"/>
-            <ac:picMk id="9" creationId="{2669D212-2924-0976-669D-7718ECB17F0A}"/>
-          </ac:picMkLst>
-        </pc:picChg>
-      </pc:sldChg>
-      <pc:sldChg chg="addSp delSp modSp add mod">
-        <pc:chgData name="Moraes,Marcia" userId="c9c67e8a-58e2-4733-9a1c-5d44fec4775b" providerId="ADAL" clId="{A1867B66-7268-4FC1-A44A-9A4A7F403E56}" dt="2022-10-02T23:02:39.790" v="439" actId="1076"/>
-        <pc:sldMkLst>
-          <pc:docMk/>
-          <pc:sldMk cId="2806049236" sldId="293"/>
-        </pc:sldMkLst>
-        <pc:spChg chg="mod">
-          <ac:chgData name="Moraes,Marcia" userId="c9c67e8a-58e2-4733-9a1c-5d44fec4775b" providerId="ADAL" clId="{A1867B66-7268-4FC1-A44A-9A4A7F403E56}" dt="2022-10-02T23:01:24.058" v="430" actId="20577"/>
-          <ac:spMkLst>
-            <pc:docMk/>
-            <pc:sldMk cId="2806049236" sldId="293"/>
-            <ac:spMk id="2" creationId="{6302E6FC-80C8-2F4C-A9F0-9B205434775A}"/>
-          </ac:spMkLst>
-        </pc:spChg>
-        <pc:spChg chg="mod">
-          <ac:chgData name="Moraes,Marcia" userId="c9c67e8a-58e2-4733-9a1c-5d44fec4775b" providerId="ADAL" clId="{A1867B66-7268-4FC1-A44A-9A4A7F403E56}" dt="2022-10-02T23:02:11.286" v="436" actId="255"/>
-          <ac:spMkLst>
-            <pc:docMk/>
-            <pc:sldMk cId="2806049236" sldId="293"/>
-            <ac:spMk id="3" creationId="{1776BEE4-A494-F14A-319A-4421C2CE3DE8}"/>
-          </ac:spMkLst>
-        </pc:spChg>
-        <pc:picChg chg="del">
-          <ac:chgData name="Moraes,Marcia" userId="c9c67e8a-58e2-4733-9a1c-5d44fec4775b" providerId="ADAL" clId="{A1867B66-7268-4FC1-A44A-9A4A7F403E56}" dt="2022-10-02T23:01:26.097" v="431" actId="478"/>
-          <ac:picMkLst>
-            <pc:docMk/>
-            <pc:sldMk cId="2806049236" sldId="293"/>
-            <ac:picMk id="5" creationId="{432E6EAB-DD1F-4513-124D-D73C6425EE85}"/>
-          </ac:picMkLst>
-        </pc:picChg>
-        <pc:picChg chg="add mod">
-          <ac:chgData name="Moraes,Marcia" userId="c9c67e8a-58e2-4733-9a1c-5d44fec4775b" providerId="ADAL" clId="{A1867B66-7268-4FC1-A44A-9A4A7F403E56}" dt="2022-10-02T23:02:39.790" v="439" actId="1076"/>
-          <ac:picMkLst>
-            <pc:docMk/>
-            <pc:sldMk cId="2806049236" sldId="293"/>
-            <ac:picMk id="6" creationId="{A716D07B-AA5A-5B2F-B22E-1E30B4669520}"/>
-          </ac:picMkLst>
-        </pc:picChg>
-      </pc:sldChg>
-      <pc:sldChg chg="addSp delSp modSp add mod">
-        <pc:chgData name="Moraes,Marcia" userId="c9c67e8a-58e2-4733-9a1c-5d44fec4775b" providerId="ADAL" clId="{A1867B66-7268-4FC1-A44A-9A4A7F403E56}" dt="2022-10-02T23:06:03.845" v="453" actId="1076"/>
-        <pc:sldMkLst>
-          <pc:docMk/>
-          <pc:sldMk cId="3337134214" sldId="294"/>
-        </pc:sldMkLst>
-        <pc:spChg chg="mod">
-          <ac:chgData name="Moraes,Marcia" userId="c9c67e8a-58e2-4733-9a1c-5d44fec4775b" providerId="ADAL" clId="{A1867B66-7268-4FC1-A44A-9A4A7F403E56}" dt="2022-10-02T23:05:32.780" v="448" actId="6549"/>
-          <ac:spMkLst>
-            <pc:docMk/>
-            <pc:sldMk cId="3337134214" sldId="294"/>
-            <ac:spMk id="3" creationId="{1776BEE4-A494-F14A-319A-4421C2CE3DE8}"/>
-          </ac:spMkLst>
-        </pc:spChg>
-        <pc:picChg chg="add del">
-          <ac:chgData name="Moraes,Marcia" userId="c9c67e8a-58e2-4733-9a1c-5d44fec4775b" providerId="ADAL" clId="{A1867B66-7268-4FC1-A44A-9A4A7F403E56}" dt="2022-10-02T23:05:47.853" v="450" actId="22"/>
-          <ac:picMkLst>
-            <pc:docMk/>
-            <pc:sldMk cId="3337134214" sldId="294"/>
-            <ac:picMk id="5" creationId="{532D2FAB-5E1D-0939-247F-0C18F41AC6BF}"/>
-          </ac:picMkLst>
-        </pc:picChg>
-        <pc:picChg chg="del">
-          <ac:chgData name="Moraes,Marcia" userId="c9c67e8a-58e2-4733-9a1c-5d44fec4775b" providerId="ADAL" clId="{A1867B66-7268-4FC1-A44A-9A4A7F403E56}" dt="2022-10-02T23:05:12.169" v="441" actId="478"/>
-          <ac:picMkLst>
-            <pc:docMk/>
-            <pc:sldMk cId="3337134214" sldId="294"/>
-            <ac:picMk id="6" creationId="{A716D07B-AA5A-5B2F-B22E-1E30B4669520}"/>
-          </ac:picMkLst>
-        </pc:picChg>
-        <pc:picChg chg="add mod">
-          <ac:chgData name="Moraes,Marcia" userId="c9c67e8a-58e2-4733-9a1c-5d44fec4775b" providerId="ADAL" clId="{A1867B66-7268-4FC1-A44A-9A4A7F403E56}" dt="2022-10-02T23:06:03.845" v="453" actId="1076"/>
-          <ac:picMkLst>
-            <pc:docMk/>
-            <pc:sldMk cId="3337134214" sldId="294"/>
-            <ac:picMk id="8" creationId="{CA9EF3A0-BF17-1DA1-B3AF-1F8E1F4EFEB1}"/>
-          </ac:picMkLst>
-        </pc:picChg>
-      </pc:sldChg>
-      <pc:sldChg chg="delSp modSp add mod">
-        <pc:chgData name="Moraes,Marcia" userId="c9c67e8a-58e2-4733-9a1c-5d44fec4775b" providerId="ADAL" clId="{A1867B66-7268-4FC1-A44A-9A4A7F403E56}" dt="2022-10-03T00:00:53.325" v="642" actId="20577"/>
-        <pc:sldMkLst>
-          <pc:docMk/>
-          <pc:sldMk cId="3862158204" sldId="295"/>
-        </pc:sldMkLst>
-        <pc:spChg chg="mod">
-          <ac:chgData name="Moraes,Marcia" userId="c9c67e8a-58e2-4733-9a1c-5d44fec4775b" providerId="ADAL" clId="{A1867B66-7268-4FC1-A44A-9A4A7F403E56}" dt="2022-10-02T23:59:52.831" v="466" actId="20577"/>
-          <ac:spMkLst>
-            <pc:docMk/>
-            <pc:sldMk cId="3862158204" sldId="295"/>
-            <ac:spMk id="2" creationId="{6302E6FC-80C8-2F4C-A9F0-9B205434775A}"/>
-          </ac:spMkLst>
-        </pc:spChg>
-        <pc:spChg chg="mod">
-          <ac:chgData name="Moraes,Marcia" userId="c9c67e8a-58e2-4733-9a1c-5d44fec4775b" providerId="ADAL" clId="{A1867B66-7268-4FC1-A44A-9A4A7F403E56}" dt="2022-10-03T00:00:53.325" v="642" actId="20577"/>
-          <ac:spMkLst>
-            <pc:docMk/>
-            <pc:sldMk cId="3862158204" sldId="295"/>
-            <ac:spMk id="3" creationId="{1776BEE4-A494-F14A-319A-4421C2CE3DE8}"/>
-          </ac:spMkLst>
-        </pc:spChg>
-        <pc:picChg chg="del">
-          <ac:chgData name="Moraes,Marcia" userId="c9c67e8a-58e2-4733-9a1c-5d44fec4775b" providerId="ADAL" clId="{A1867B66-7268-4FC1-A44A-9A4A7F403E56}" dt="2022-10-02T23:59:54.668" v="467" actId="478"/>
-          <ac:picMkLst>
-            <pc:docMk/>
-            <pc:sldMk cId="3862158204" sldId="295"/>
-            <ac:picMk id="8" creationId="{CA9EF3A0-BF17-1DA1-B3AF-1F8E1F4EFEB1}"/>
-          </ac:picMkLst>
-        </pc:picChg>
-      </pc:sldChg>
-      <pc:sldChg chg="del">
-        <pc:chgData name="Moraes,Marcia" userId="c9c67e8a-58e2-4733-9a1c-5d44fec4775b" providerId="ADAL" clId="{A1867B66-7268-4FC1-A44A-9A4A7F403E56}" dt="2022-10-02T22:55:40.006" v="353" actId="47"/>
-        <pc:sldMkLst>
-          <pc:docMk/>
-          <pc:sldMk cId="54017807" sldId="312"/>
-        </pc:sldMkLst>
-      </pc:sldChg>
-      <pc:sldChg chg="del">
-        <pc:chgData name="Moraes,Marcia" userId="c9c67e8a-58e2-4733-9a1c-5d44fec4775b" providerId="ADAL" clId="{A1867B66-7268-4FC1-A44A-9A4A7F403E56}" dt="2022-10-02T22:55:42.156" v="355" actId="47"/>
-        <pc:sldMkLst>
-          <pc:docMk/>
-          <pc:sldMk cId="1151228611" sldId="313"/>
-        </pc:sldMkLst>
-      </pc:sldChg>
-      <pc:sldChg chg="del">
-        <pc:chgData name="Moraes,Marcia" userId="c9c67e8a-58e2-4733-9a1c-5d44fec4775b" providerId="ADAL" clId="{A1867B66-7268-4FC1-A44A-9A4A7F403E56}" dt="2022-10-02T22:55:42.951" v="356" actId="47"/>
-        <pc:sldMkLst>
-          <pc:docMk/>
-          <pc:sldMk cId="3408714727" sldId="314"/>
-        </pc:sldMkLst>
-      </pc:sldChg>
-      <pc:sldChg chg="del">
-        <pc:chgData name="Moraes,Marcia" userId="c9c67e8a-58e2-4733-9a1c-5d44fec4775b" providerId="ADAL" clId="{A1867B66-7268-4FC1-A44A-9A4A7F403E56}" dt="2022-10-02T22:55:44.364" v="357" actId="47"/>
-        <pc:sldMkLst>
-          <pc:docMk/>
-          <pc:sldMk cId="1645837360" sldId="315"/>
-        </pc:sldMkLst>
       </pc:sldChg>
     </pc:docChg>
+  </pc:docChgLst>
+  <pc:docChgLst>
+    <pc:chgData name="Moraes,Marcia" userId="c9c67e8a-58e2-4733-9a1c-5d44fec4775b" providerId="ADAL" clId="{A1867B66-7268-4FC1-A44A-9A4A7F403E56}"/>
+  </pc:docChgLst>
+  <pc:docChgLst>
+    <pc:chgData name="Marcia Moraes" userId="c9c67e8a-58e2-4733-9a1c-5d44fec4775b" providerId="ADAL" clId="{45971C12-405A-4627-8224-6300C0874730}"/>
   </pc:docChgLst>
 </pc:chgInfo>
 </file>
@@ -19892,7 +19590,7 @@
         <p:spPr>
           <a:xfrm>
             <a:off x="415638" y="1175745"/>
-            <a:ext cx="6289962" cy="3526350"/>
+            <a:ext cx="6289962" cy="2656368"/>
           </a:xfrm>
         </p:spPr>
         <p:txBody>
@@ -19969,40 +19667,6 @@
               <a:buNone/>
             </a:pPr>
             <a:endParaRPr lang="en-US" sz="1800" dirty="0"/>
-          </a:p>
-          <a:p>
-            <a:pPr marL="0" indent="0">
-              <a:buNone/>
-            </a:pPr>
-            <a:r>
-              <a:rPr lang="en-US" sz="1800" dirty="0"/>
-              <a:t>str = “</a:t>
-            </a:r>
-            <a:r>
-              <a:rPr lang="en-US" sz="1800" dirty="0" err="1"/>
-              <a:t>abc</a:t>
-            </a:r>
-            <a:r>
-              <a:rPr lang="en-US" sz="1800" dirty="0"/>
-              <a:t>”</a:t>
-            </a:r>
-          </a:p>
-          <a:p>
-            <a:pPr marL="0" indent="0">
-              <a:buNone/>
-            </a:pPr>
-            <a:r>
-              <a:rPr lang="en-US" sz="1800" dirty="0"/>
-              <a:t>print(</a:t>
-            </a:r>
-            <a:r>
-              <a:rPr lang="en-US" sz="1800" dirty="0" err="1"/>
-              <a:t>reverseStr</a:t>
-            </a:r>
-            <a:r>
-              <a:rPr lang="en-US" sz="1800" dirty="0"/>
-              <a:t>(str))</a:t>
-            </a:r>
           </a:p>
         </p:txBody>
       </p:sp>
@@ -20068,7 +19732,7 @@
         <p:spPr>
           <a:xfrm>
             <a:off x="6208889" y="2381955"/>
-            <a:ext cx="2837636" cy="646331"/>
+            <a:ext cx="2685351" cy="1200329"/>
           </a:xfrm>
           <a:prstGeom prst="rect">
             <a:avLst/>
@@ -20087,19 +19751,23 @@
           <a:lstStyle/>
           <a:p>
             <a:r>
-              <a:rPr lang="en-US" sz="1800" dirty="0">
-                <a:latin typeface="Proxima Nova"/>
-              </a:rPr>
-              <a:t>Turn in your recall activity</a:t>
+              <a:rPr lang="en-US" sz="1800" dirty="0"/>
+              <a:t>Write your answer in our</a:t>
             </a:r>
           </a:p>
           <a:p>
             <a:r>
-              <a:rPr lang="en-US" sz="1800" dirty="0">
-                <a:latin typeface="Proxima Nova"/>
-              </a:rPr>
-              <a:t>at the end of the class </a:t>
+              <a:rPr lang="en-US" sz="1800"/>
+              <a:t>today’s attendance</a:t>
             </a:r>
+          </a:p>
+          <a:p>
+            <a:r>
+              <a:rPr lang="en-US" sz="1800" dirty="0"/>
+              <a:t>assignment.</a:t>
+            </a:r>
+          </a:p>
+          <a:p>
             <a:r>
               <a:rPr lang="en-US" sz="1800" dirty="0">
                 <a:latin typeface="Proxima Nova"/>
@@ -20426,13 +20094,13 @@
   <p:clrMapOvr>
     <a:masterClrMapping/>
   </p:clrMapOvr>
-  <mc:AlternateContent xmlns:mc="http://schemas.openxmlformats.org/markup-compatibility/2006">
-    <mc:Choice xmlns:p14="http://schemas.microsoft.com/office/powerpoint/2010/main" Requires="p14">
+  <mc:AlternateContent xmlns:mc="http://schemas.openxmlformats.org/markup-compatibility/2006" xmlns:p14="http://schemas.microsoft.com/office/powerpoint/2010/main">
+    <mc:Choice Requires="p14">
       <p:transition p14:dur="300">
         <p:fade/>
       </p:transition>
     </mc:Choice>
-    <mc:Fallback>
+    <mc:Fallback xmlns="">
       <p:transition>
         <p:fade/>
       </p:transition>
@@ -20573,13 +20241,13 @@
   <p:clrMapOvr>
     <a:masterClrMapping/>
   </p:clrMapOvr>
-  <mc:AlternateContent xmlns:mc="http://schemas.openxmlformats.org/markup-compatibility/2006">
-    <mc:Choice xmlns:p14="http://schemas.microsoft.com/office/powerpoint/2010/main" Requires="p14">
+  <mc:AlternateContent xmlns:mc="http://schemas.openxmlformats.org/markup-compatibility/2006" xmlns:p14="http://schemas.microsoft.com/office/powerpoint/2010/main">
+    <mc:Choice Requires="p14">
       <p:transition p14:dur="300">
         <p:fade/>
       </p:transition>
     </mc:Choice>
-    <mc:Fallback>
+    <mc:Fallback xmlns="">
       <p:transition>
         <p:fade/>
       </p:transition>
@@ -20731,13 +20399,13 @@
   <p:clrMapOvr>
     <a:masterClrMapping/>
   </p:clrMapOvr>
-  <mc:AlternateContent xmlns:mc="http://schemas.openxmlformats.org/markup-compatibility/2006">
-    <mc:Choice xmlns:p14="http://schemas.microsoft.com/office/powerpoint/2010/main" Requires="p14">
+  <mc:AlternateContent xmlns:mc="http://schemas.openxmlformats.org/markup-compatibility/2006" xmlns:p14="http://schemas.microsoft.com/office/powerpoint/2010/main">
+    <mc:Choice Requires="p14">
       <p:transition p14:dur="300">
         <p:fade/>
       </p:transition>
     </mc:Choice>
-    <mc:Fallback>
+    <mc:Fallback xmlns="">
       <p:transition>
         <p:fade/>
       </p:transition>
@@ -20857,13 +20525,13 @@
   <p:clrMapOvr>
     <a:masterClrMapping/>
   </p:clrMapOvr>
-  <mc:AlternateContent xmlns:mc="http://schemas.openxmlformats.org/markup-compatibility/2006">
-    <mc:Choice xmlns:p14="http://schemas.microsoft.com/office/powerpoint/2010/main" Requires="p14">
+  <mc:AlternateContent xmlns:mc="http://schemas.openxmlformats.org/markup-compatibility/2006" xmlns:p14="http://schemas.microsoft.com/office/powerpoint/2010/main">
+    <mc:Choice Requires="p14">
       <p:transition p14:dur="300">
         <p:fade/>
       </p:transition>
     </mc:Choice>
-    <mc:Fallback>
+    <mc:Fallback xmlns="">
       <p:transition>
         <p:fade/>
       </p:transition>
@@ -21776,6 +21444,15 @@
 </file>
 
 <file path=customXml/item1.xml><?xml version="1.0" encoding="utf-8"?>
+<?mso-contentType ?>
+<FormTemplates xmlns="http://schemas.microsoft.com/sharepoint/v3/contenttype/forms">
+  <Display>DocumentLibraryForm</Display>
+  <Edit>DocumentLibraryForm</Edit>
+  <New>DocumentLibraryForm</New>
+</FormTemplates>
+</file>
+
+<file path=customXml/item2.xml><?xml version="1.0" encoding="utf-8"?>
 <ct:contentTypeSchema xmlns:ct="http://schemas.microsoft.com/office/2006/metadata/contentType" xmlns:ma="http://schemas.microsoft.com/office/2006/metadata/properties/metaAttributes" ct:_="" ma:_="" ma:contentTypeName="Document" ma:contentTypeID="0x010100074387D78AC76C4289401EF66FB51FCC" ma:contentTypeVersion="14" ma:contentTypeDescription="Create a new document." ma:contentTypeScope="" ma:versionID="16aa88660fc2fdca5573e381835fe0c9">
   <xsd:schema xmlns:xsd="http://www.w3.org/2001/XMLSchema" xmlns:xs="http://www.w3.org/2001/XMLSchema" xmlns:p="http://schemas.microsoft.com/office/2006/metadata/properties" xmlns:ns3="92c41bee-f0ee-4aa6-9399-a35fbb883510" xmlns:ns4="e06ed288-fd75-4b50-bbed-f5a5df88c31c" targetNamespace="http://schemas.microsoft.com/office/2006/metadata/properties" ma:root="true" ma:fieldsID="d08ce21c39dd96af8dcee1a6fd74aaf6" ns3:_="" ns4:_="">
     <xsd:import namespace="92c41bee-f0ee-4aa6-9399-a35fbb883510"/>
@@ -22004,22 +21681,21 @@
 </ct:contentTypeSchema>
 </file>
 
-<file path=customXml/item2.xml><?xml version="1.0" encoding="utf-8"?>
+<file path=customXml/item3.xml><?xml version="1.0" encoding="utf-8"?>
 <p:properties xmlns:p="http://schemas.microsoft.com/office/2006/metadata/properties" xmlns:xsi="http://www.w3.org/2001/XMLSchema-instance" xmlns:pc="http://schemas.microsoft.com/office/infopath/2007/PartnerControls">
   <documentManagement/>
 </p:properties>
 </file>
 
-<file path=customXml/item3.xml><?xml version="1.0" encoding="utf-8"?>
-<?mso-contentType ?>
-<FormTemplates xmlns="http://schemas.microsoft.com/sharepoint/v3/contenttype/forms">
-  <Display>DocumentLibraryForm</Display>
-  <Edit>DocumentLibraryForm</Edit>
-  <New>DocumentLibraryForm</New>
-</FormTemplates>
+<file path=customXml/itemProps1.xml><?xml version="1.0" encoding="utf-8"?>
+<ds:datastoreItem xmlns:ds="http://schemas.openxmlformats.org/officeDocument/2006/customXml" ds:itemID="{ECBA097B-6123-4B8A-8BF9-8745C25437D5}">
+  <ds:schemaRefs>
+    <ds:schemaRef ds:uri="http://schemas.microsoft.com/sharepoint/v3/contenttype/forms"/>
+  </ds:schemaRefs>
+</ds:datastoreItem>
 </file>
 
-<file path=customXml/itemProps1.xml><?xml version="1.0" encoding="utf-8"?>
+<file path=customXml/itemProps2.xml><?xml version="1.0" encoding="utf-8"?>
 <ds:datastoreItem xmlns:ds="http://schemas.openxmlformats.org/officeDocument/2006/customXml" ds:itemID="{ECE8EA35-9C42-4825-ABC6-2C345E857976}">
   <ds:schemaRefs>
     <ds:schemaRef ds:uri="http://schemas.microsoft.com/office/2006/metadata/contentType"/>
@@ -22038,27 +21714,19 @@
 </ds:datastoreItem>
 </file>
 
-<file path=customXml/itemProps2.xml><?xml version="1.0" encoding="utf-8"?>
+<file path=customXml/itemProps3.xml><?xml version="1.0" encoding="utf-8"?>
 <ds:datastoreItem xmlns:ds="http://schemas.openxmlformats.org/officeDocument/2006/customXml" ds:itemID="{05D3EE4C-68D3-4BA3-94E6-383E2DFDD168}">
   <ds:schemaRefs>
-    <ds:schemaRef ds:uri="http://schemas.microsoft.com/office/2006/documentManagement/types"/>
-    <ds:schemaRef ds:uri="http://schemas.microsoft.com/office/infopath/2007/PartnerControls"/>
     <ds:schemaRef ds:uri="http://purl.org/dc/dcmitype/"/>
     <ds:schemaRef ds:uri="http://purl.org/dc/elements/1.1/"/>
-    <ds:schemaRef ds:uri="e06ed288-fd75-4b50-bbed-f5a5df88c31c"/>
+    <ds:schemaRef ds:uri="http://schemas.microsoft.com/office/infopath/2007/PartnerControls"/>
+    <ds:schemaRef ds:uri="http://schemas.microsoft.com/office/2006/documentManagement/types"/>
+    <ds:schemaRef ds:uri="http://schemas.openxmlformats.org/package/2006/metadata/core-properties"/>
     <ds:schemaRef ds:uri="http://schemas.microsoft.com/office/2006/metadata/properties"/>
     <ds:schemaRef ds:uri="http://purl.org/dc/terms/"/>
-    <ds:schemaRef ds:uri="http://schemas.openxmlformats.org/package/2006/metadata/core-properties"/>
+    <ds:schemaRef ds:uri="e06ed288-fd75-4b50-bbed-f5a5df88c31c"/>
     <ds:schemaRef ds:uri="92c41bee-f0ee-4aa6-9399-a35fbb883510"/>
     <ds:schemaRef ds:uri="http://www.w3.org/XML/1998/namespace"/>
   </ds:schemaRefs>
 </ds:datastoreItem>
-</file>
-
-<file path=customXml/itemProps3.xml><?xml version="1.0" encoding="utf-8"?>
-<ds:datastoreItem xmlns:ds="http://schemas.openxmlformats.org/officeDocument/2006/customXml" ds:itemID="{ECBA097B-6123-4B8A-8BF9-8745C25437D5}">
-  <ds:schemaRefs>
-    <ds:schemaRef ds:uri="http://schemas.microsoft.com/sharepoint/v3/contenttype/forms"/>
-  </ds:schemaRefs>
-</ds:datastoreItem>
 </file>